--- a/ASSIGNMENT 3 - Gruppo 8/Prototipo interattivo di Hydro-Flow.pptx
+++ b/ASSIGNMENT 3 - Gruppo 8/Prototipo interattivo di Hydro-Flow.pptx
@@ -267,7 +267,7 @@
           <a:p>
             <a:fld id="{BE4D5C57-48CA-4A6C-9FFE-362CE6F67571}" type="datetimeFigureOut">
               <a:rPr lang="it-IT" smtClean="0"/>
-              <a:t>12/05/21</a:t>
+              <a:t>25/05/21</a:t>
             </a:fld>
             <a:endParaRPr lang="it-IT"/>
           </a:p>
@@ -465,7 +465,7 @@
           <a:p>
             <a:fld id="{BE4D5C57-48CA-4A6C-9FFE-362CE6F67571}" type="datetimeFigureOut">
               <a:rPr lang="it-IT" smtClean="0"/>
-              <a:t>12/05/21</a:t>
+              <a:t>25/05/21</a:t>
             </a:fld>
             <a:endParaRPr lang="it-IT"/>
           </a:p>
@@ -673,7 +673,7 @@
           <a:p>
             <a:fld id="{BE4D5C57-48CA-4A6C-9FFE-362CE6F67571}" type="datetimeFigureOut">
               <a:rPr lang="it-IT" smtClean="0"/>
-              <a:t>12/05/21</a:t>
+              <a:t>25/05/21</a:t>
             </a:fld>
             <a:endParaRPr lang="it-IT"/>
           </a:p>
@@ -871,7 +871,7 @@
           <a:p>
             <a:fld id="{BE4D5C57-48CA-4A6C-9FFE-362CE6F67571}" type="datetimeFigureOut">
               <a:rPr lang="it-IT" smtClean="0"/>
-              <a:t>12/05/21</a:t>
+              <a:t>25/05/21</a:t>
             </a:fld>
             <a:endParaRPr lang="it-IT"/>
           </a:p>
@@ -1146,7 +1146,7 @@
           <a:p>
             <a:fld id="{BE4D5C57-48CA-4A6C-9FFE-362CE6F67571}" type="datetimeFigureOut">
               <a:rPr lang="it-IT" smtClean="0"/>
-              <a:t>12/05/21</a:t>
+              <a:t>25/05/21</a:t>
             </a:fld>
             <a:endParaRPr lang="it-IT"/>
           </a:p>
@@ -1411,7 +1411,7 @@
           <a:p>
             <a:fld id="{BE4D5C57-48CA-4A6C-9FFE-362CE6F67571}" type="datetimeFigureOut">
               <a:rPr lang="it-IT" smtClean="0"/>
-              <a:t>12/05/21</a:t>
+              <a:t>25/05/21</a:t>
             </a:fld>
             <a:endParaRPr lang="it-IT"/>
           </a:p>
@@ -1823,7 +1823,7 @@
           <a:p>
             <a:fld id="{BE4D5C57-48CA-4A6C-9FFE-362CE6F67571}" type="datetimeFigureOut">
               <a:rPr lang="it-IT" smtClean="0"/>
-              <a:t>12/05/21</a:t>
+              <a:t>25/05/21</a:t>
             </a:fld>
             <a:endParaRPr lang="it-IT"/>
           </a:p>
@@ -1964,7 +1964,7 @@
           <a:p>
             <a:fld id="{BE4D5C57-48CA-4A6C-9FFE-362CE6F67571}" type="datetimeFigureOut">
               <a:rPr lang="it-IT" smtClean="0"/>
-              <a:t>12/05/21</a:t>
+              <a:t>25/05/21</a:t>
             </a:fld>
             <a:endParaRPr lang="it-IT"/>
           </a:p>
@@ -2077,7 +2077,7 @@
           <a:p>
             <a:fld id="{BE4D5C57-48CA-4A6C-9FFE-362CE6F67571}" type="datetimeFigureOut">
               <a:rPr lang="it-IT" smtClean="0"/>
-              <a:t>12/05/21</a:t>
+              <a:t>25/05/21</a:t>
             </a:fld>
             <a:endParaRPr lang="it-IT"/>
           </a:p>
@@ -2388,7 +2388,7 @@
           <a:p>
             <a:fld id="{BE4D5C57-48CA-4A6C-9FFE-362CE6F67571}" type="datetimeFigureOut">
               <a:rPr lang="it-IT" smtClean="0"/>
-              <a:t>12/05/21</a:t>
+              <a:t>25/05/21</a:t>
             </a:fld>
             <a:endParaRPr lang="it-IT"/>
           </a:p>
@@ -2676,7 +2676,7 @@
           <a:p>
             <a:fld id="{BE4D5C57-48CA-4A6C-9FFE-362CE6F67571}" type="datetimeFigureOut">
               <a:rPr lang="it-IT" smtClean="0"/>
-              <a:t>12/05/21</a:t>
+              <a:t>25/05/21</a:t>
             </a:fld>
             <a:endParaRPr lang="it-IT"/>
           </a:p>
@@ -2944,7 +2944,7 @@
           <a:p>
             <a:fld id="{BE4D5C57-48CA-4A6C-9FFE-362CE6F67571}" type="datetimeFigureOut">
               <a:rPr lang="it-IT" smtClean="0"/>
-              <a:t>12/05/21</a:t>
+              <a:t>25/05/21</a:t>
             </a:fld>
             <a:endParaRPr lang="it-IT"/>
           </a:p>
@@ -3447,6 +3447,14 @@
   <p:clrMapOvr>
     <a:masterClrMapping/>
   </p:clrMapOvr>
+  <mc:AlternateContent xmlns:mc="http://schemas.openxmlformats.org/markup-compatibility/2006" xmlns:p14="http://schemas.microsoft.com/office/powerpoint/2010/main">
+    <mc:Choice Requires="p14">
+      <p:transition spd="slow" p14:dur="2000" advClick="0"/>
+    </mc:Choice>
+    <mc:Fallback xmlns="">
+      <p:transition spd="slow" advClick="0"/>
+    </mc:Fallback>
+  </mc:AlternateContent>
 </p:sld>
 </file>
 
@@ -3794,6 +3802,14 @@
   <p:clrMapOvr>
     <a:masterClrMapping/>
   </p:clrMapOvr>
+  <mc:AlternateContent xmlns:mc="http://schemas.openxmlformats.org/markup-compatibility/2006" xmlns:p14="http://schemas.microsoft.com/office/powerpoint/2010/main">
+    <mc:Choice Requires="p14">
+      <p:transition spd="slow" p14:dur="2000" advClick="0"/>
+    </mc:Choice>
+    <mc:Fallback xmlns="">
+      <p:transition spd="slow" advClick="0"/>
+    </mc:Fallback>
+  </mc:AlternateContent>
 </p:sld>
 </file>
 
@@ -4116,6 +4132,14 @@
   <p:clrMapOvr>
     <a:masterClrMapping/>
   </p:clrMapOvr>
+  <mc:AlternateContent xmlns:mc="http://schemas.openxmlformats.org/markup-compatibility/2006" xmlns:p14="http://schemas.microsoft.com/office/powerpoint/2010/main">
+    <mc:Choice Requires="p14">
+      <p:transition spd="slow" p14:dur="2000" advClick="0"/>
+    </mc:Choice>
+    <mc:Fallback xmlns="">
+      <p:transition spd="slow" advClick="0"/>
+    </mc:Fallback>
+  </mc:AlternateContent>
 </p:sld>
 </file>
 
@@ -4484,6 +4508,14 @@
   <p:clrMapOvr>
     <a:masterClrMapping/>
   </p:clrMapOvr>
+  <mc:AlternateContent xmlns:mc="http://schemas.openxmlformats.org/markup-compatibility/2006" xmlns:p14="http://schemas.microsoft.com/office/powerpoint/2010/main">
+    <mc:Choice Requires="p14">
+      <p:transition spd="slow" p14:dur="2000" advClick="0"/>
+    </mc:Choice>
+    <mc:Fallback xmlns="">
+      <p:transition spd="slow" advClick="0"/>
+    </mc:Fallback>
+  </mc:AlternateContent>
   <p:timing>
     <p:tnLst>
       <p:par>
@@ -4921,6 +4953,14 @@
   <p:clrMapOvr>
     <a:masterClrMapping/>
   </p:clrMapOvr>
+  <mc:AlternateContent xmlns:mc="http://schemas.openxmlformats.org/markup-compatibility/2006" xmlns:p14="http://schemas.microsoft.com/office/powerpoint/2010/main">
+    <mc:Choice Requires="p14">
+      <p:transition spd="slow" p14:dur="2000" advClick="0"/>
+    </mc:Choice>
+    <mc:Fallback xmlns="">
+      <p:transition spd="slow" advClick="0"/>
+    </mc:Fallback>
+  </mc:AlternateContent>
 </p:sld>
 </file>
 
@@ -5244,6 +5284,14 @@
   <p:clrMapOvr>
     <a:masterClrMapping/>
   </p:clrMapOvr>
+  <mc:AlternateContent xmlns:mc="http://schemas.openxmlformats.org/markup-compatibility/2006" xmlns:p14="http://schemas.microsoft.com/office/powerpoint/2010/main">
+    <mc:Choice Requires="p14">
+      <p:transition spd="slow" p14:dur="2000" advClick="0"/>
+    </mc:Choice>
+    <mc:Fallback xmlns="">
+      <p:transition spd="slow" advClick="0"/>
+    </mc:Fallback>
+  </mc:AlternateContent>
 </p:sld>
 </file>
 
@@ -5668,6 +5716,14 @@
   <p:clrMapOvr>
     <a:masterClrMapping/>
   </p:clrMapOvr>
+  <mc:AlternateContent xmlns:mc="http://schemas.openxmlformats.org/markup-compatibility/2006" xmlns:p14="http://schemas.microsoft.com/office/powerpoint/2010/main">
+    <mc:Choice Requires="p14">
+      <p:transition spd="slow" p14:dur="2000" advClick="0"/>
+    </mc:Choice>
+    <mc:Fallback xmlns="">
+      <p:transition spd="slow" advClick="0"/>
+    </mc:Fallback>
+  </mc:AlternateContent>
   <p:timing>
     <p:tnLst>
       <p:par>
@@ -6237,6 +6293,14 @@
   <p:clrMapOvr>
     <a:masterClrMapping/>
   </p:clrMapOvr>
+  <mc:AlternateContent xmlns:mc="http://schemas.openxmlformats.org/markup-compatibility/2006" xmlns:p14="http://schemas.microsoft.com/office/powerpoint/2010/main">
+    <mc:Choice Requires="p14">
+      <p:transition spd="slow" p14:dur="2000" advClick="0"/>
+    </mc:Choice>
+    <mc:Fallback xmlns="">
+      <p:transition spd="slow" advClick="0"/>
+    </mc:Fallback>
+  </mc:AlternateContent>
   <p:timing>
     <p:tnLst>
       <p:par>
@@ -6788,6 +6852,14 @@
   <p:clrMapOvr>
     <a:masterClrMapping/>
   </p:clrMapOvr>
+  <mc:AlternateContent xmlns:mc="http://schemas.openxmlformats.org/markup-compatibility/2006" xmlns:p14="http://schemas.microsoft.com/office/powerpoint/2010/main">
+    <mc:Choice Requires="p14">
+      <p:transition spd="slow" p14:dur="2000" advClick="0"/>
+    </mc:Choice>
+    <mc:Fallback xmlns="">
+      <p:transition spd="slow" advClick="0"/>
+    </mc:Fallback>
+  </mc:AlternateContent>
   <p:timing>
     <p:tnLst>
       <p:par>
